--- a/Documents/AMIG_Fraud Scenarios.pptx
+++ b/Documents/AMIG_Fraud Scenarios.pptx
@@ -145,6 +145,10 @@
 </p:cmAuthorLst>
 </file>
 
+<file path=ppt/revisionInfo.xml><?xml version="1.0" encoding="utf-8"?>
+<p1510:revInfo xmlns:a="http://schemas.openxmlformats.org/drawingml/2006/main" xmlns:r="http://schemas.openxmlformats.org/officeDocument/2006/relationships" xmlns:p1510="http://schemas.microsoft.com/office/powerpoint/2015/10/main"/>
+</file>
+
 <file path=ppt/comments/comment1.xml><?xml version="1.0" encoding="utf-8"?>
 <p:cmLst xmlns:a="http://schemas.openxmlformats.org/drawingml/2006/main" xmlns:r="http://schemas.openxmlformats.org/officeDocument/2006/relationships" xmlns:p="http://schemas.openxmlformats.org/presentationml/2006/main">
   <p:cm authorId="2" dt="2018-10-01T14:58:59.766" idx="1">
@@ -161,20 +165,6 @@
 
 <file path=ppt/comments/comment2.xml><?xml version="1.0" encoding="utf-8"?>
 <p:cmLst xmlns:a="http://schemas.openxmlformats.org/drawingml/2006/main" xmlns:r="http://schemas.openxmlformats.org/officeDocument/2006/relationships" xmlns:p="http://schemas.openxmlformats.org/presentationml/2006/main">
-  <p:cm authorId="1" dt="2018-09-27T18:35:46.719" idx="1">
-    <p:pos x="10" y="10"/>
-    <p:text>Didn't follow the red part well</p:text>
-    <p:extLst>
-      <p:ext uri="{C676402C-5697-4E1C-873F-D02D1690AC5C}">
-        <p15:threadingInfo xmlns:p15="http://schemas.microsoft.com/office/powerpoint/2012/main" timeZoneBias="-330"/>
-      </p:ext>
-    </p:extLst>
-  </p:cm>
-</p:cmLst>
-</file>
-
-<file path=ppt/comments/comment3.xml><?xml version="1.0" encoding="utf-8"?>
-<p:cmLst xmlns:a="http://schemas.openxmlformats.org/drawingml/2006/main" xmlns:r="http://schemas.openxmlformats.org/officeDocument/2006/relationships" xmlns:p="http://schemas.openxmlformats.org/presentationml/2006/main">
   <p:cm authorId="1" dt="2018-09-27T18:39:18.740" idx="2">
     <p:pos x="5905" y="1210"/>
     <p:text>Need to discuss the red ones in more details</p:text>
@@ -187,7 +177,7 @@
 </p:cmLst>
 </file>
 
-<file path=ppt/comments/comment4.xml><?xml version="1.0" encoding="utf-8"?>
+<file path=ppt/comments/comment3.xml><?xml version="1.0" encoding="utf-8"?>
 <p:cmLst xmlns:a="http://schemas.openxmlformats.org/drawingml/2006/main" xmlns:r="http://schemas.openxmlformats.org/officeDocument/2006/relationships" xmlns:p="http://schemas.openxmlformats.org/presentationml/2006/main">
   <p:cm authorId="2" dt="2018-10-01T17:26:52.552" idx="2">
     <p:pos x="2091" y="3161"/>
@@ -201,7 +191,7 @@
 </p:cmLst>
 </file>
 
-<file path=ppt/comments/comment5.xml><?xml version="1.0" encoding="utf-8"?>
+<file path=ppt/comments/comment4.xml><?xml version="1.0" encoding="utf-8"?>
 <p:cmLst xmlns:a="http://schemas.openxmlformats.org/drawingml/2006/main" xmlns:r="http://schemas.openxmlformats.org/officeDocument/2006/relationships" xmlns:p="http://schemas.openxmlformats.org/presentationml/2006/main">
   <p:cm authorId="2" dt="2018-10-01T17:28:20.921" idx="3">
     <p:pos x="1632" y="2735"/>
@@ -215,7 +205,7 @@
 </p:cmLst>
 </file>
 
-<file path=ppt/comments/comment6.xml><?xml version="1.0" encoding="utf-8"?>
+<file path=ppt/comments/comment5.xml><?xml version="1.0" encoding="utf-8"?>
 <p:cmLst xmlns:a="http://schemas.openxmlformats.org/drawingml/2006/main" xmlns:r="http://schemas.openxmlformats.org/officeDocument/2006/relationships" xmlns:p="http://schemas.openxmlformats.org/presentationml/2006/main">
   <p:cm authorId="2" dt="2018-10-01T17:40:10.856" idx="4">
     <p:pos x="5402" y="997"/>
@@ -230,7 +220,7 @@
 </p:cmLst>
 </file>
 
-<file path=ppt/comments/comment7.xml><?xml version="1.0" encoding="utf-8"?>
+<file path=ppt/comments/comment6.xml><?xml version="1.0" encoding="utf-8"?>
 <p:cmLst xmlns:a="http://schemas.openxmlformats.org/drawingml/2006/main" xmlns:r="http://schemas.openxmlformats.org/officeDocument/2006/relationships" xmlns:p="http://schemas.openxmlformats.org/presentationml/2006/main">
   <p:cm authorId="2" dt="2018-10-01T17:43:47.848" idx="6">
     <p:pos x="2062" y="1414"/>
@@ -244,7 +234,7 @@
 </p:cmLst>
 </file>
 
-<file path=ppt/comments/comment8.xml><?xml version="1.0" encoding="utf-8"?>
+<file path=ppt/comments/comment7.xml><?xml version="1.0" encoding="utf-8"?>
 <p:cmLst xmlns:a="http://schemas.openxmlformats.org/drawingml/2006/main" xmlns:r="http://schemas.openxmlformats.org/officeDocument/2006/relationships" xmlns:p="http://schemas.openxmlformats.org/presentationml/2006/main">
   <p:cm authorId="2" dt="2018-10-01T17:47:50.955" idx="7">
     <p:pos x="2914" y="1370"/>
@@ -447,7 +437,7 @@
             <a:fld id="{B61BEF0D-F0BB-DE4B-95CE-6DB70DBA9567}" type="datetimeFigureOut">
               <a:rPr lang="en-US" dirty="0"/>
               <a:pPr/>
-              <a:t>10/1/2018</a:t>
+              <a:t>10/2/2018</a:t>
             </a:fld>
             <a:endParaRPr lang="en-US" dirty="0"/>
           </a:p>
@@ -782,7 +772,7 @@
             <a:fld id="{B61BEF0D-F0BB-DE4B-95CE-6DB70DBA9567}" type="datetimeFigureOut">
               <a:rPr lang="en-US" dirty="0"/>
               <a:pPr/>
-              <a:t>10/1/2018</a:t>
+              <a:t>10/2/2018</a:t>
             </a:fld>
             <a:endParaRPr lang="en-US" dirty="0"/>
           </a:p>
@@ -1180,7 +1170,7 @@
             <a:fld id="{B61BEF0D-F0BB-DE4B-95CE-6DB70DBA9567}" type="datetimeFigureOut">
               <a:rPr lang="en-US" dirty="0"/>
               <a:pPr/>
-              <a:t>10/1/2018</a:t>
+              <a:t>10/2/2018</a:t>
             </a:fld>
             <a:endParaRPr lang="en-US" dirty="0"/>
           </a:p>
@@ -1513,7 +1503,7 @@
             <a:fld id="{B61BEF0D-F0BB-DE4B-95CE-6DB70DBA9567}" type="datetimeFigureOut">
               <a:rPr lang="en-US" dirty="0"/>
               <a:pPr/>
-              <a:t>10/1/2018</a:t>
+              <a:t>10/2/2018</a:t>
             </a:fld>
             <a:endParaRPr lang="en-US" dirty="0"/>
           </a:p>
@@ -1830,7 +1820,7 @@
             <a:fld id="{B61BEF0D-F0BB-DE4B-95CE-6DB70DBA9567}" type="datetimeFigureOut">
               <a:rPr lang="en-US" dirty="0"/>
               <a:pPr/>
-              <a:t>10/1/2018</a:t>
+              <a:t>10/2/2018</a:t>
             </a:fld>
             <a:endParaRPr lang="en-US" dirty="0"/>
           </a:p>
@@ -2223,7 +2213,7 @@
             <a:fld id="{B61BEF0D-F0BB-DE4B-95CE-6DB70DBA9567}" type="datetimeFigureOut">
               <a:rPr lang="en-US" dirty="0"/>
               <a:pPr/>
-              <a:t>10/1/2018</a:t>
+              <a:t>10/2/2018</a:t>
             </a:fld>
             <a:endParaRPr lang="en-US" dirty="0"/>
           </a:p>
@@ -2477,7 +2467,7 @@
             <a:fld id="{B61BEF0D-F0BB-DE4B-95CE-6DB70DBA9567}" type="datetimeFigureOut">
               <a:rPr lang="en-US" dirty="0"/>
               <a:pPr/>
-              <a:t>10/1/2018</a:t>
+              <a:t>10/2/2018</a:t>
             </a:fld>
             <a:endParaRPr lang="en-US" dirty="0"/>
           </a:p>
@@ -2736,7 +2726,7 @@
             <a:fld id="{B61BEF0D-F0BB-DE4B-95CE-6DB70DBA9567}" type="datetimeFigureOut">
               <a:rPr lang="en-US" dirty="0"/>
               <a:pPr/>
-              <a:t>10/1/2018</a:t>
+              <a:t>10/2/2018</a:t>
             </a:fld>
             <a:endParaRPr lang="en-US" dirty="0"/>
           </a:p>
@@ -2995,7 +2985,7 @@
             <a:fld id="{B61BEF0D-F0BB-DE4B-95CE-6DB70DBA9567}" type="datetimeFigureOut">
               <a:rPr lang="en-US" dirty="0"/>
               <a:pPr/>
-              <a:t>10/1/2018</a:t>
+              <a:t>10/2/2018</a:t>
             </a:fld>
             <a:endParaRPr lang="en-US" dirty="0"/>
           </a:p>
@@ -3321,7 +3311,7 @@
             <a:fld id="{B61BEF0D-F0BB-DE4B-95CE-6DB70DBA9567}" type="datetimeFigureOut">
               <a:rPr lang="en-US" dirty="0"/>
               <a:pPr/>
-              <a:t>10/1/2018</a:t>
+              <a:t>10/2/2018</a:t>
             </a:fld>
             <a:endParaRPr lang="en-US" dirty="0"/>
           </a:p>
@@ -3641,7 +3631,7 @@
             <a:fld id="{B61BEF0D-F0BB-DE4B-95CE-6DB70DBA9567}" type="datetimeFigureOut">
               <a:rPr lang="en-US" dirty="0"/>
               <a:pPr/>
-              <a:t>10/1/2018</a:t>
+              <a:t>10/2/2018</a:t>
             </a:fld>
             <a:endParaRPr lang="en-US" dirty="0"/>
           </a:p>
@@ -4095,7 +4085,7 @@
             <a:fld id="{B61BEF0D-F0BB-DE4B-95CE-6DB70DBA9567}" type="datetimeFigureOut">
               <a:rPr lang="en-US" dirty="0"/>
               <a:pPr/>
-              <a:t>10/1/2018</a:t>
+              <a:t>10/2/2018</a:t>
             </a:fld>
             <a:endParaRPr lang="en-US" dirty="0"/>
           </a:p>
@@ -4297,7 +4287,7 @@
             <a:fld id="{B61BEF0D-F0BB-DE4B-95CE-6DB70DBA9567}" type="datetimeFigureOut">
               <a:rPr lang="en-US" dirty="0"/>
               <a:pPr/>
-              <a:t>10/1/2018</a:t>
+              <a:t>10/2/2018</a:t>
             </a:fld>
             <a:endParaRPr lang="en-US" dirty="0"/>
           </a:p>
@@ -4471,7 +4461,7 @@
             <a:fld id="{B61BEF0D-F0BB-DE4B-95CE-6DB70DBA9567}" type="datetimeFigureOut">
               <a:rPr lang="en-US" dirty="0"/>
               <a:pPr/>
-              <a:t>10/1/2018</a:t>
+              <a:t>10/2/2018</a:t>
             </a:fld>
             <a:endParaRPr lang="en-US" dirty="0"/>
           </a:p>
@@ -4801,7 +4791,7 @@
             <a:fld id="{B61BEF0D-F0BB-DE4B-95CE-6DB70DBA9567}" type="datetimeFigureOut">
               <a:rPr lang="en-US" dirty="0"/>
               <a:pPr/>
-              <a:t>10/1/2018</a:t>
+              <a:t>10/2/2018</a:t>
             </a:fld>
             <a:endParaRPr lang="en-US" dirty="0"/>
           </a:p>
@@ -5143,7 +5133,7 @@
             <a:fld id="{B61BEF0D-F0BB-DE4B-95CE-6DB70DBA9567}" type="datetimeFigureOut">
               <a:rPr lang="en-US" dirty="0"/>
               <a:pPr/>
-              <a:t>10/1/2018</a:t>
+              <a:t>10/2/2018</a:t>
             </a:fld>
             <a:endParaRPr lang="en-US" dirty="0"/>
           </a:p>
@@ -7257,7 +7247,7 @@
             <a:fld id="{B61BEF0D-F0BB-DE4B-95CE-6DB70DBA9567}" type="datetimeFigureOut">
               <a:rPr lang="en-US" dirty="0"/>
               <a:pPr/>
-              <a:t>10/1/2018</a:t>
+              <a:t>10/2/2018</a:t>
             </a:fld>
             <a:endParaRPr lang="en-US" dirty="0"/>
           </a:p>
@@ -7838,23 +7828,7 @@
             </a:r>
             <a:r>
               <a:rPr lang="en-US" dirty="0"/>
-              <a:t> configurations as well as </a:t>
-            </a:r>
-            <a:r>
-              <a:rPr lang="en-US" dirty="0" smtClean="0"/>
-              <a:t>deploy analytical </a:t>
-            </a:r>
-            <a:r>
-              <a:rPr lang="en-US" dirty="0"/>
-              <a:t>and data mining tools for the homeowner LOB to identify other potential causes of </a:t>
-            </a:r>
-            <a:r>
-              <a:rPr lang="en-US" dirty="0" smtClean="0"/>
-              <a:t>fraud.  Deloitte will analyze </a:t>
-            </a:r>
-            <a:r>
-              <a:rPr lang="en-US" dirty="0"/>
-              <a:t>current authorization settings related to claim payments (e.g., vendor payments, manual check payments, and </a:t>
+              <a:t> configurations as well as deploy analytical and data mining tools for the homeowner LOB to identify other potential causes of fraud.  Deloitte will analyze current authorization settings related to claim payments (e.g., vendor payments, manual check payments, and </a:t>
             </a:r>
             <a:r>
               <a:rPr lang="en-US" dirty="0" err="1"/>
@@ -7961,22 +7935,18 @@
           <a:bodyPr/>
           <a:lstStyle/>
           <a:p>
-            <a:endParaRPr lang="en-US" dirty="0" smtClean="0"/>
-          </a:p>
-          <a:p>
-            <a:endParaRPr lang="en-US" dirty="0"/>
-          </a:p>
-          <a:p>
-            <a:endParaRPr lang="en-US" dirty="0" smtClean="0"/>
-          </a:p>
-          <a:p>
-            <a:r>
-              <a:rPr lang="en-US" dirty="0" smtClean="0"/>
-              <a:t>Method </a:t>
-            </a:r>
-            <a:r>
-              <a:rPr lang="en-US" dirty="0"/>
-              <a:t>of analysis</a:t>
+            <a:endParaRPr lang="en-US" dirty="0"/>
+          </a:p>
+          <a:p>
+            <a:endParaRPr lang="en-US" dirty="0"/>
+          </a:p>
+          <a:p>
+            <a:endParaRPr lang="en-US" dirty="0"/>
+          </a:p>
+          <a:p>
+            <a:r>
+              <a:rPr lang="en-US" dirty="0"/>
+              <a:t>Method of analysis</a:t>
             </a:r>
           </a:p>
           <a:p>
@@ -7984,24 +7954,8 @@
               <a:buNone/>
             </a:pPr>
             <a:r>
-              <a:rPr lang="en-US" dirty="0" smtClean="0"/>
-              <a:t>Identify </a:t>
-            </a:r>
-            <a:r>
-              <a:rPr lang="en-US" dirty="0"/>
-              <a:t>cases that have been reported 15 days </a:t>
-            </a:r>
-            <a:r>
-              <a:rPr lang="en-US" dirty="0" smtClean="0"/>
-              <a:t>before </a:t>
-            </a:r>
-            <a:r>
-              <a:rPr lang="en-US" dirty="0"/>
-              <a:t>or after the policy </a:t>
-            </a:r>
-            <a:r>
-              <a:rPr lang="en-US" dirty="0" smtClean="0"/>
-              <a:t>expiration date, or identify claims that were incurred within days of the policy expiration date</a:t>
+              <a:rPr lang="en-US" dirty="0"/>
+              <a:t>Identify cases that have been reported 15 days before or after the policy expiration date, or identify claims that were incurred within days of the policy expiration date</a:t>
             </a:r>
           </a:p>
         </p:txBody>
@@ -8035,10 +7989,9 @@
           <a:lstStyle/>
           <a:p>
             <a:r>
-              <a:rPr lang="en-US" dirty="0" smtClean="0"/>
+              <a:rPr lang="en-US" dirty="0"/>
               <a:t>#9</a:t>
             </a:r>
-            <a:endParaRPr lang="en-US" dirty="0"/>
           </a:p>
         </p:txBody>
       </p:sp>
@@ -8094,12 +8047,8 @@
           <a:lstStyle/>
           <a:p>
             <a:r>
-              <a:rPr lang="en-US" dirty="0" smtClean="0"/>
-              <a:t>Other Scenarios/ Important </a:t>
-            </a:r>
-            <a:r>
-              <a:rPr lang="en-US" dirty="0"/>
-              <a:t>features</a:t>
+              <a:rPr lang="en-US" dirty="0"/>
+              <a:t>Other Scenarios/ Important features</a:t>
             </a:r>
           </a:p>
         </p:txBody>
@@ -8127,52 +8076,26 @@
           <a:p>
             <a:r>
               <a:rPr lang="en-US" dirty="0"/>
-              <a:t>Time lag in </a:t>
-            </a:r>
-            <a:r>
-              <a:rPr lang="en-US" dirty="0" smtClean="0"/>
-              <a:t>reporting – days between date of loss and report date</a:t>
-            </a:r>
-            <a:endParaRPr lang="en-US" dirty="0"/>
-          </a:p>
-          <a:p>
-            <a:r>
-              <a:rPr lang="en-US" dirty="0"/>
-              <a:t>Litigation/Attorney </a:t>
-            </a:r>
-            <a:r>
-              <a:rPr lang="en-US" dirty="0" smtClean="0"/>
-              <a:t>involvement</a:t>
-            </a:r>
-          </a:p>
-          <a:p>
-            <a:r>
-              <a:rPr lang="en-US" dirty="0" smtClean="0"/>
-              <a:t>Number </a:t>
-            </a:r>
-            <a:r>
-              <a:rPr lang="en-US" dirty="0"/>
-              <a:t>of </a:t>
-            </a:r>
-            <a:r>
-              <a:rPr lang="en-US" dirty="0" smtClean="0"/>
-              <a:t>claims guidelines/rules broken</a:t>
-            </a:r>
-          </a:p>
-          <a:p>
-            <a:r>
-              <a:rPr lang="en-US" dirty="0" smtClean="0"/>
-              <a:t>Number of </a:t>
-            </a:r>
-            <a:r>
-              <a:rPr lang="en-US" dirty="0"/>
-              <a:t>claims made by insured in </a:t>
-            </a:r>
-            <a:r>
-              <a:rPr lang="en-US" dirty="0" smtClean="0"/>
-              <a:t>recent number of years (1-5 years)</a:t>
-            </a:r>
-            <a:endParaRPr lang="en-US" dirty="0"/>
+              <a:t>Time lag in reporting – days between date of loss and report date</a:t>
+            </a:r>
+          </a:p>
+          <a:p>
+            <a:r>
+              <a:rPr lang="en-US" dirty="0"/>
+              <a:t>Litigation/Attorney involvement</a:t>
+            </a:r>
+          </a:p>
+          <a:p>
+            <a:r>
+              <a:rPr lang="en-US" dirty="0"/>
+              <a:t>Number of claims guidelines/rules broken</a:t>
+            </a:r>
+          </a:p>
+          <a:p>
+            <a:r>
+              <a:rPr lang="en-US" dirty="0"/>
+              <a:t>Number of claims made by insured in recent number of years (1-5 years)</a:t>
+            </a:r>
           </a:p>
           <a:p>
             <a:endParaRPr lang="en-US" dirty="0"/>
@@ -8208,10 +8131,9 @@
           <a:lstStyle/>
           <a:p>
             <a:r>
-              <a:rPr lang="en-US" dirty="0" smtClean="0"/>
+              <a:rPr lang="en-US" dirty="0"/>
               <a:t>#10</a:t>
             </a:r>
-            <a:endParaRPr lang="en-US" dirty="0"/>
           </a:p>
         </p:txBody>
       </p:sp>
@@ -8272,14 +8194,9 @@
           <a:lstStyle/>
           <a:p>
             <a:r>
-              <a:rPr lang="en-US" dirty="0" smtClean="0"/>
-              <a:t>Sample/ Generic Modeling </a:t>
-            </a:r>
-            <a:r>
-              <a:rPr lang="en-US" dirty="0" err="1" smtClean="0"/>
-              <a:t>Techiques</a:t>
-            </a:r>
-            <a:endParaRPr lang="en-US" dirty="0"/>
+              <a:rPr lang="en-US" dirty="0"/>
+              <a:t>Sample/ Generic Modeling Techniques</a:t>
+            </a:r>
           </a:p>
         </p:txBody>
       </p:sp>
@@ -8364,15 +8281,7 @@
           <a:p>
             <a:r>
               <a:rPr lang="en-US" dirty="0"/>
-              <a:t>Assumptions :- </a:t>
-            </a:r>
-            <a:r>
-              <a:rPr lang="en-US" dirty="0" smtClean="0"/>
-              <a:t>Fraudulent claims and legitimate claims </a:t>
-            </a:r>
-            <a:r>
-              <a:rPr lang="en-US" dirty="0"/>
-              <a:t>are coming from 2 different gaussian curves for a same cause</a:t>
+              <a:t>Assumptions :- Fraudulent claims and legitimate claims are coming from 2 different gaussian curves for a same cause</a:t>
             </a:r>
           </a:p>
         </p:txBody>
@@ -8526,15 +8435,7 @@
           <a:p>
             <a:r>
               <a:rPr lang="en-US" dirty="0"/>
-              <a:t>Based on </a:t>
-            </a:r>
-            <a:r>
-              <a:rPr lang="en-US" dirty="0" smtClean="0"/>
-              <a:t>bills, </a:t>
-            </a:r>
-            <a:r>
-              <a:rPr lang="en-US" dirty="0"/>
-              <a:t>detect what kind of damage and check whether the reported is same or different. In case of difference chances of fraud cases is high. </a:t>
+              <a:t>Based on bills, detect what kind of damage and check whether the reported is same or different. In case of difference chances of fraud cases is high. </a:t>
             </a:r>
           </a:p>
         </p:txBody>
@@ -8705,29 +8606,8 @@
           <a:p>
             <a:r>
               <a:rPr lang="en-US" dirty="0"/>
-              <a:t>Payments are made to </a:t>
-            </a:r>
-            <a:r>
-              <a:rPr lang="en-US" dirty="0" smtClean="0"/>
-              <a:t>a similar </a:t>
-            </a:r>
-            <a:r>
-              <a:rPr lang="en-US" dirty="0"/>
-              <a:t>party multiple times for different claims. The same address </a:t>
-            </a:r>
-            <a:r>
-              <a:rPr lang="en-US" dirty="0" smtClean="0"/>
-              <a:t>for claimants and vendors </a:t>
-            </a:r>
-            <a:r>
-              <a:rPr lang="en-US" dirty="0"/>
-              <a:t>are entered differently </a:t>
-            </a:r>
-            <a:r>
-              <a:rPr lang="en-US" dirty="0" smtClean="0"/>
-              <a:t>such that they are not all matched together.</a:t>
-            </a:r>
-            <a:endParaRPr lang="en-US" dirty="0"/>
+              <a:t>Payments are made to a similar party multiple times for different claims. The same address for claimants and vendors are entered differently such that they are not all matched together.</a:t>
+            </a:r>
           </a:p>
           <a:p>
             <a:r>
@@ -8757,39 +8637,7 @@
             </a:pPr>
             <a:r>
               <a:rPr lang="en-US" dirty="0"/>
-              <a:t>We rollup the </a:t>
-            </a:r>
-            <a:r>
-              <a:rPr lang="en-US" dirty="0" smtClean="0"/>
-              <a:t>claim payments </a:t>
-            </a:r>
-            <a:r>
-              <a:rPr lang="en-US" dirty="0"/>
-              <a:t>for each claimant and identify duplicate/close amounts for the same </a:t>
-            </a:r>
-            <a:r>
-              <a:rPr lang="en-US" dirty="0" smtClean="0"/>
-              <a:t>claim/type of loss </a:t>
-            </a:r>
-            <a:r>
-              <a:rPr lang="en-US" dirty="0"/>
-              <a:t>within a short interval of time. We will also </a:t>
-            </a:r>
-            <a:r>
-              <a:rPr lang="en-US" dirty="0" smtClean="0"/>
-              <a:t>perform fuzzy </a:t>
-            </a:r>
-            <a:r>
-              <a:rPr lang="en-US" dirty="0"/>
-              <a:t>matching to identify if same claimant has been claiming </a:t>
-            </a:r>
-            <a:r>
-              <a:rPr lang="en-US" dirty="0" smtClean="0"/>
-              <a:t>for </a:t>
-            </a:r>
-            <a:r>
-              <a:rPr lang="en-US" dirty="0"/>
-              <a:t>similar causes.</a:t>
+              <a:t>We rollup the claim payments for each claimant and identify duplicate/close amounts for the same claim/type of loss within a short interval of time. We will also perform fuzzy matching to identify if same claimant has been claiming for similar causes.</a:t>
             </a:r>
           </a:p>
           <a:p>
@@ -8915,36 +8763,8 @@
           <a:lstStyle/>
           <a:p>
             <a:r>
-              <a:rPr lang="en-US" dirty="0" smtClean="0"/>
-              <a:t>If </a:t>
-            </a:r>
-            <a:r>
-              <a:rPr lang="en-US" dirty="0"/>
-              <a:t>the Insured is a general contractor who is working with 3-4 types of </a:t>
-            </a:r>
-            <a:r>
-              <a:rPr lang="en-US" dirty="0" smtClean="0"/>
-              <a:t>subcontractors, adjusters are </a:t>
-            </a:r>
-            <a:r>
-              <a:rPr lang="en-US" dirty="0"/>
-              <a:t>allowed to bump the claim amount by </a:t>
-            </a:r>
-            <a:r>
-              <a:rPr lang="en-US" dirty="0" smtClean="0"/>
-              <a:t>a certain </a:t>
-            </a:r>
-            <a:r>
-              <a:rPr lang="en-US" dirty="0"/>
-              <a:t>% as an advisory </a:t>
-            </a:r>
-            <a:r>
-              <a:rPr lang="en-US" dirty="0" smtClean="0"/>
-              <a:t>allowance. </a:t>
-            </a:r>
-            <a:r>
-              <a:rPr lang="en-US" dirty="0"/>
-              <a:t>There is an abuse in these types of claims.</a:t>
+              <a:rPr lang="en-US" dirty="0"/>
+              <a:t>If the Insured is a general contractor who is working with 3-4 types of subcontractors, adjusters are allowed to bump the claim amount by a certain % as an advisory allowance. There is an abuse in these types of claims.</a:t>
             </a:r>
           </a:p>
           <a:p>
@@ -8966,19 +8786,7 @@
             </a:pPr>
             <a:r>
               <a:rPr lang="en-US" dirty="0"/>
-              <a:t>The adjuster is doing it more often </a:t>
-            </a:r>
-            <a:r>
-              <a:rPr lang="en-US" dirty="0" smtClean="0"/>
-              <a:t>than </a:t>
-            </a:r>
-            <a:r>
-              <a:rPr lang="en-US" dirty="0"/>
-              <a:t>others. </a:t>
-            </a:r>
-            <a:r>
-              <a:rPr lang="en-US" dirty="0" smtClean="0"/>
-              <a:t>Identify this by the frequency distribution of the adjuster. </a:t>
+              <a:t>The adjuster is doing it more often than others. Identify this by the frequency distribution of the adjuster. </a:t>
             </a:r>
           </a:p>
           <a:p>
@@ -8986,20 +8794,8 @@
               <a:buNone/>
             </a:pPr>
             <a:r>
-              <a:rPr lang="en-US" dirty="0" smtClean="0"/>
-              <a:t>Also check if the adjuster is doing </a:t>
-            </a:r>
-            <a:r>
-              <a:rPr lang="en-US" dirty="0"/>
-              <a:t>it </a:t>
-            </a:r>
-            <a:r>
-              <a:rPr lang="en-US" dirty="0" smtClean="0"/>
-              <a:t>for a specific insured or small group of insureds (multiple </a:t>
-            </a:r>
-            <a:r>
-              <a:rPr lang="en-US" dirty="0"/>
-              <a:t>times)</a:t>
+              <a:rPr lang="en-US" dirty="0"/>
+              <a:t>Also check if the adjuster is doing it for a specific insured or small group of insureds (multiple times)</a:t>
             </a:r>
           </a:p>
         </p:txBody>
@@ -9122,42 +8918,13 @@
           <a:p>
             <a:r>
               <a:rPr lang="en-US" dirty="0"/>
-              <a:t>Some </a:t>
-            </a:r>
-            <a:r>
-              <a:rPr lang="en-US" dirty="0" smtClean="0"/>
-              <a:t>adjuster </a:t>
-            </a:r>
-            <a:r>
-              <a:rPr lang="en-US" dirty="0"/>
-              <a:t>privileges are </a:t>
-            </a:r>
-            <a:r>
-              <a:rPr lang="en-US" dirty="0" smtClean="0"/>
-              <a:t>changed immediately following catastrophes (hurricanes, tornadoes, floods, etc.) that occurred.</a:t>
-            </a:r>
-            <a:endParaRPr lang="en-US" dirty="0"/>
-          </a:p>
-          <a:p>
-            <a:r>
-              <a:rPr lang="en-US" dirty="0"/>
-              <a:t>Adjuster is behaving differently </a:t>
-            </a:r>
-            <a:r>
-              <a:rPr lang="en-US" dirty="0" smtClean="0"/>
-              <a:t>in </a:t>
-            </a:r>
-            <a:r>
-              <a:rPr lang="en-US" dirty="0"/>
-              <a:t>handling </a:t>
-            </a:r>
-            <a:r>
-              <a:rPr lang="en-US" dirty="0" smtClean="0"/>
-              <a:t>catastrophe claims which </a:t>
-            </a:r>
-            <a:r>
-              <a:rPr lang="en-US" dirty="0"/>
-              <a:t>he/she normally wouldn’t do.</a:t>
+              <a:t>Some adjuster privileges are changed immediately following catastrophes (hurricanes, tornadoes, floods, etc.) that occurred.</a:t>
+            </a:r>
+          </a:p>
+          <a:p>
+            <a:r>
+              <a:rPr lang="en-US" dirty="0"/>
+              <a:t>Adjuster is behaving differently in handling catastrophe claims which he/she normally wouldn’t do.</a:t>
             </a:r>
           </a:p>
           <a:p>
@@ -9182,19 +8949,7 @@
             </a:pPr>
             <a:r>
               <a:rPr lang="en-US" dirty="0"/>
-              <a:t>Compare payment distribution of each adjuster against the other </a:t>
-            </a:r>
-            <a:r>
-              <a:rPr lang="en-US" dirty="0" smtClean="0"/>
-              <a:t>adjusters </a:t>
-            </a:r>
-            <a:r>
-              <a:rPr lang="en-US" dirty="0"/>
-              <a:t>in that region and see the deviation from their allowance </a:t>
-            </a:r>
-            <a:r>
-              <a:rPr lang="en-US" dirty="0" smtClean="0"/>
-              <a:t>limit</a:t>
+              <a:t>Compare payment distribution of each adjuster against the other adjusters in that region and see the deviation from their allowance limit</a:t>
             </a:r>
           </a:p>
           <a:p>
@@ -9202,10 +8957,9 @@
               <a:buNone/>
             </a:pPr>
             <a:r>
-              <a:rPr lang="en-US" dirty="0" smtClean="0"/>
+              <a:rPr lang="en-US" dirty="0"/>
               <a:t>Compare payment distribution by adjuster before and after catastrophe, or prior catastrophes (within a 1-3 year window)</a:t>
             </a:r>
-            <a:endParaRPr lang="en-US" dirty="0"/>
           </a:p>
           <a:p>
             <a:pPr marL="0" indent="0">
@@ -9338,48 +9092,14 @@
           <a:p>
             <a:r>
               <a:rPr lang="en-US" dirty="0"/>
-              <a:t>Manual </a:t>
-            </a:r>
-            <a:r>
-              <a:rPr lang="en-US" dirty="0" smtClean="0"/>
-              <a:t>checks </a:t>
-            </a:r>
-            <a:r>
-              <a:rPr lang="en-US" dirty="0"/>
-              <a:t>are made without </a:t>
-            </a:r>
-            <a:r>
-              <a:rPr lang="en-US" dirty="0" smtClean="0"/>
-              <a:t>any management approval </a:t>
-            </a:r>
-            <a:r>
-              <a:rPr lang="en-US" dirty="0"/>
-              <a:t>or </a:t>
-            </a:r>
-            <a:r>
-              <a:rPr lang="en-US" dirty="0" smtClean="0"/>
-              <a:t>with limited approval/sign-off.</a:t>
-            </a:r>
-            <a:endParaRPr lang="en-US" dirty="0"/>
-          </a:p>
-          <a:p>
-            <a:r>
-              <a:rPr lang="en-US" dirty="0"/>
-              <a:t>Manual </a:t>
-            </a:r>
-            <a:r>
-              <a:rPr lang="en-US" dirty="0" smtClean="0"/>
-              <a:t>checks </a:t>
-            </a:r>
-            <a:r>
-              <a:rPr lang="en-US" dirty="0"/>
-              <a:t>are deliberately made to </a:t>
-            </a:r>
-            <a:r>
-              <a:rPr lang="en-US" dirty="0" smtClean="0"/>
-              <a:t>the wrong parties.</a:t>
-            </a:r>
-            <a:endParaRPr lang="en-US" dirty="0"/>
+              <a:t>Manual checks are made without any management approval or with limited approval/sign-off.</a:t>
+            </a:r>
+          </a:p>
+          <a:p>
+            <a:r>
+              <a:rPr lang="en-US" dirty="0"/>
+              <a:t>Manual checks are deliberately made to the wrong parties.</a:t>
+            </a:r>
           </a:p>
           <a:p>
             <a:endParaRPr lang="en-US" dirty="0"/>
@@ -9392,12 +9112,8 @@
               <a:buNone/>
             </a:pPr>
             <a:r>
-              <a:rPr lang="en-US" dirty="0" smtClean="0"/>
-              <a:t>Method </a:t>
-            </a:r>
-            <a:r>
-              <a:rPr lang="en-US" dirty="0"/>
-              <a:t>of analysis: </a:t>
+              <a:rPr lang="en-US" dirty="0"/>
+              <a:t>Method of analysis: </a:t>
             </a:r>
           </a:p>
           <a:p>
@@ -9425,23 +9141,7 @@
             </a:pPr>
             <a:r>
               <a:rPr lang="en-US" dirty="0"/>
-              <a:t>For every </a:t>
-            </a:r>
-            <a:r>
-              <a:rPr lang="en-US" dirty="0" smtClean="0"/>
-              <a:t>adjuster, compare </a:t>
-            </a:r>
-            <a:r>
-              <a:rPr lang="en-US" dirty="0"/>
-              <a:t>the count and volume of manual </a:t>
-            </a:r>
-            <a:r>
-              <a:rPr lang="en-US" dirty="0" smtClean="0"/>
-              <a:t>payments </a:t>
-            </a:r>
-            <a:r>
-              <a:rPr lang="en-US" dirty="0"/>
-              <a:t>made against others for similar cases. </a:t>
+              <a:t>For every adjuster, compare the count and volume of manual payments made against others for similar cases. </a:t>
             </a:r>
           </a:p>
           <a:p>
@@ -9450,26 +9150,9 @@
               <a:buChar char="Ø"/>
             </a:pPr>
             <a:r>
-              <a:rPr lang="en-US" dirty="0" smtClean="0"/>
-              <a:t>Named parties in checks </a:t>
-            </a:r>
-            <a:r>
-              <a:rPr lang="en-US" dirty="0"/>
-              <a:t>and Insured </a:t>
-            </a:r>
-            <a:r>
-              <a:rPr lang="en-US" dirty="0" smtClean="0"/>
-              <a:t>names should </a:t>
-            </a:r>
-            <a:r>
-              <a:rPr lang="en-US" dirty="0"/>
-              <a:t>be same</a:t>
-            </a:r>
-            <a:r>
-              <a:rPr lang="en-US" dirty="0" smtClean="0"/>
-              <a:t>.</a:t>
-            </a:r>
-            <a:endParaRPr lang="en-US" dirty="0"/>
+              <a:rPr lang="en-US" dirty="0"/>
+              <a:t>Named parties in checks and Insured names should be same.</a:t>
+            </a:r>
           </a:p>
         </p:txBody>
       </p:sp>
@@ -9607,187 +9290,77 @@
                   <a:srgbClr val="FF0000"/>
                 </a:solidFill>
               </a:rPr>
-              <a:t>HO insurance claims </a:t>
-            </a:r>
-            <a:r>
-              <a:rPr lang="en-US" dirty="0" smtClean="0">
-                <a:solidFill>
-                  <a:srgbClr val="FF0000"/>
-                </a:solidFill>
-              </a:rPr>
-              <a:t>opened for properties </a:t>
-            </a:r>
+              <a:t>HO insurance claims opened for properties that never existed.</a:t>
+            </a:r>
+          </a:p>
+          <a:p>
+            <a:r>
+              <a:rPr lang="en-US" dirty="0"/>
+              <a:t>Loss amounts are deflated</a:t>
+            </a:r>
+          </a:p>
+          <a:p>
             <a:r>
               <a:rPr lang="en-US" dirty="0">
                 <a:solidFill>
                   <a:srgbClr val="FF0000"/>
                 </a:solidFill>
               </a:rPr>
-              <a:t>that never existed.</a:t>
-            </a:r>
-          </a:p>
-          <a:p>
-            <a:r>
-              <a:rPr lang="en-US" dirty="0" smtClean="0"/>
-              <a:t>Loss amounts are deflated</a:t>
-            </a:r>
-            <a:endParaRPr lang="en-US" dirty="0"/>
-          </a:p>
-          <a:p>
+              <a:t>Property are intentionally damaged or destroyed to gain insurance benefits.</a:t>
+            </a:r>
+          </a:p>
+          <a:p>
+            <a:endParaRPr lang="en-US" dirty="0"/>
+          </a:p>
+          <a:p>
+            <a:pPr>
+              <a:buFont typeface="Wingdings" panose="05000000000000000000" pitchFamily="2" charset="2"/>
+              <a:buChar char="Ø"/>
+            </a:pPr>
+            <a:r>
+              <a:rPr lang="en-US" dirty="0"/>
+              <a:t>Method of analysis:</a:t>
+            </a:r>
+          </a:p>
+          <a:p>
+            <a:pPr marL="0" indent="0">
+              <a:buNone/>
+            </a:pPr>
+            <a:r>
+              <a:rPr lang="en-US" dirty="0"/>
+              <a:t>Look at the distribution of a type of loss, and see if the average claim values vary by much (evident by a standard deviation). Identify claims within these types of losses that are 2 or 3 </a:t>
+            </a:r>
+            <a:r>
+              <a:rPr lang="en-US" dirty="0" err="1"/>
+              <a:t>s.d.</a:t>
+            </a:r>
+            <a:r>
+              <a:rPr lang="en-US" dirty="0"/>
+              <a:t> away from the mean, and determine if they come from specific adjusters.</a:t>
+            </a:r>
+            <a:endParaRPr lang="en-US" b="1" dirty="0"/>
+          </a:p>
+          <a:p>
+            <a:pPr marL="0" indent="0">
+              <a:buNone/>
+            </a:pPr>
+            <a:r>
+              <a:rPr lang="en-US" dirty="0"/>
+              <a:t>Average severity of each claim handler’s caseload – with adjustments to exclude large losses (i.e. total loss on homes).</a:t>
+            </a:r>
+            <a:endParaRPr lang="en-US" b="1" dirty="0"/>
+          </a:p>
+          <a:p>
+            <a:pPr marL="0" indent="0">
+              <a:buNone/>
+            </a:pPr>
             <a:r>
               <a:rPr lang="en-US" dirty="0">
                 <a:solidFill>
                   <a:srgbClr val="FF0000"/>
                 </a:solidFill>
               </a:rPr>
-              <a:t>Property </a:t>
-            </a:r>
-            <a:r>
-              <a:rPr lang="en-US" dirty="0" smtClean="0">
-                <a:solidFill>
-                  <a:srgbClr val="FF0000"/>
-                </a:solidFill>
-              </a:rPr>
-              <a:t>are intentionally damaged or destroyed </a:t>
-            </a:r>
-            <a:r>
-              <a:rPr lang="en-US" dirty="0">
-                <a:solidFill>
-                  <a:srgbClr val="FF0000"/>
-                </a:solidFill>
-              </a:rPr>
-              <a:t>to gain insurance </a:t>
-            </a:r>
-            <a:r>
-              <a:rPr lang="en-US" dirty="0" smtClean="0">
-                <a:solidFill>
-                  <a:srgbClr val="FF0000"/>
-                </a:solidFill>
-              </a:rPr>
-              <a:t>benefits.</a:t>
-            </a:r>
-            <a:endParaRPr lang="en-US" dirty="0">
-              <a:solidFill>
-                <a:srgbClr val="FF0000"/>
-              </a:solidFill>
-            </a:endParaRPr>
-          </a:p>
-          <a:p>
-            <a:endParaRPr lang="en-US" dirty="0"/>
-          </a:p>
-          <a:p>
-            <a:pPr>
-              <a:buFont typeface="Wingdings" panose="05000000000000000000" pitchFamily="2" charset="2"/>
-              <a:buChar char="Ø"/>
-            </a:pPr>
-            <a:r>
-              <a:rPr lang="en-US" dirty="0" smtClean="0"/>
-              <a:t>Method </a:t>
-            </a:r>
-            <a:r>
-              <a:rPr lang="en-US" dirty="0"/>
-              <a:t>of analysis:</a:t>
-            </a:r>
-          </a:p>
-          <a:p>
-            <a:pPr marL="0" indent="0">
-              <a:buNone/>
-            </a:pPr>
-            <a:r>
-              <a:rPr lang="en-US" dirty="0"/>
-              <a:t>Look at the distribution of a type of </a:t>
-            </a:r>
-            <a:r>
-              <a:rPr lang="en-US" dirty="0" smtClean="0"/>
-              <a:t>loss, </a:t>
-            </a:r>
-            <a:r>
-              <a:rPr lang="en-US" dirty="0"/>
-              <a:t>and see if the </a:t>
-            </a:r>
-            <a:r>
-              <a:rPr lang="en-US" dirty="0" smtClean="0"/>
-              <a:t>average claim values vary </a:t>
-            </a:r>
-            <a:r>
-              <a:rPr lang="en-US" dirty="0"/>
-              <a:t>by much (evident by a standard deviation). Identify claims within these types of losses that </a:t>
-            </a:r>
-            <a:r>
-              <a:rPr lang="en-US" dirty="0" smtClean="0"/>
-              <a:t>are 2 </a:t>
-            </a:r>
-            <a:r>
-              <a:rPr lang="en-US" dirty="0"/>
-              <a:t>or 3 </a:t>
-            </a:r>
-            <a:r>
-              <a:rPr lang="en-US" dirty="0" err="1"/>
-              <a:t>s.d.</a:t>
-            </a:r>
-            <a:r>
-              <a:rPr lang="en-US" dirty="0"/>
-              <a:t> away from the </a:t>
-            </a:r>
-            <a:r>
-              <a:rPr lang="en-US" dirty="0" smtClean="0"/>
-              <a:t>mean, and determine if they come from specific adjusters.</a:t>
-            </a:r>
-            <a:endParaRPr lang="en-US" b="1" dirty="0"/>
-          </a:p>
-          <a:p>
-            <a:pPr marL="0" indent="0">
-              <a:buNone/>
-            </a:pPr>
-            <a:r>
-              <a:rPr lang="en-US" dirty="0" smtClean="0"/>
-              <a:t>Average </a:t>
-            </a:r>
-            <a:r>
-              <a:rPr lang="en-US" dirty="0"/>
-              <a:t>severity of each claim handler’s caseload – with adjustments to exclude large losses </a:t>
-            </a:r>
-            <a:r>
-              <a:rPr lang="en-US" dirty="0" smtClean="0"/>
-              <a:t>(i.e. total </a:t>
-            </a:r>
-            <a:r>
-              <a:rPr lang="en-US" dirty="0"/>
-              <a:t>loss on </a:t>
-            </a:r>
-            <a:r>
-              <a:rPr lang="en-US" dirty="0" smtClean="0"/>
-              <a:t>homes).</a:t>
-            </a:r>
-            <a:endParaRPr lang="en-US" b="1" dirty="0"/>
-          </a:p>
-          <a:p>
-            <a:pPr marL="0" indent="0">
-              <a:buNone/>
-            </a:pPr>
-            <a:r>
-              <a:rPr lang="en-US" dirty="0" smtClean="0">
-                <a:solidFill>
-                  <a:srgbClr val="FF0000"/>
-                </a:solidFill>
-              </a:rPr>
-              <a:t>Rely on public database </a:t>
-            </a:r>
-            <a:r>
-              <a:rPr lang="en-US" dirty="0">
-                <a:solidFill>
-                  <a:srgbClr val="FF0000"/>
-                </a:solidFill>
-              </a:rPr>
-              <a:t>of </a:t>
-            </a:r>
-            <a:r>
-              <a:rPr lang="en-US" dirty="0" smtClean="0">
-                <a:solidFill>
-                  <a:srgbClr val="FF0000"/>
-                </a:solidFill>
-              </a:rPr>
-              <a:t>property owners with insured names on policy and named on checks</a:t>
+              <a:t>Rely on public database of property owners with insured names on policy and named on checks</a:t>
             </a:r>
             <a:endParaRPr lang="en-US" dirty="0"/>
           </a:p>
@@ -9917,26 +9490,9 @@
           <a:lstStyle/>
           <a:p>
             <a:r>
-              <a:rPr lang="en-US" dirty="0" smtClean="0"/>
-              <a:t>Falsifying cause of loss.  Example </a:t>
-            </a:r>
-            <a:r>
-              <a:rPr lang="en-US" dirty="0"/>
-              <a:t>: </a:t>
-            </a:r>
-            <a:r>
-              <a:rPr lang="en-US" dirty="0" smtClean="0"/>
-              <a:t>Roof leakage problem and claiming </a:t>
-            </a:r>
-            <a:r>
-              <a:rPr lang="en-US" dirty="0"/>
-              <a:t>for </a:t>
-            </a:r>
-            <a:r>
-              <a:rPr lang="en-US" dirty="0" smtClean="0"/>
-              <a:t>theft or fire</a:t>
-            </a:r>
-            <a:endParaRPr lang="en-US" dirty="0"/>
+              <a:rPr lang="en-US" dirty="0"/>
+              <a:t>Falsifying cause of loss.  Example : Roof leakage problem and claiming for theft or fire</a:t>
+            </a:r>
           </a:p>
           <a:p>
             <a:endParaRPr lang="en-US" dirty="0"/>
@@ -9959,26 +9515,9 @@
               <a:buNone/>
             </a:pPr>
             <a:r>
-              <a:rPr lang="en-US" dirty="0" smtClean="0"/>
-              <a:t>Use </a:t>
-            </a:r>
-            <a:r>
-              <a:rPr lang="en-US" dirty="0"/>
-              <a:t>clustering to identify similar claims using text analytics and payments made for specific claims. Outliers </a:t>
-            </a:r>
-            <a:r>
-              <a:rPr lang="en-US" dirty="0" smtClean="0"/>
-              <a:t>could be indicators </a:t>
-            </a:r>
-            <a:r>
-              <a:rPr lang="en-US" dirty="0"/>
-              <a:t>of </a:t>
-            </a:r>
-            <a:r>
-              <a:rPr lang="en-US" dirty="0" smtClean="0"/>
-              <a:t>fraud activity.</a:t>
-            </a:r>
-            <a:endParaRPr lang="en-US" dirty="0"/>
+              <a:rPr lang="en-US" dirty="0"/>
+              <a:t>Use clustering to identify similar claims using text analytics and payments made for specific claims. Outliers could be indicators of fraud activity.</a:t>
+            </a:r>
           </a:p>
         </p:txBody>
       </p:sp>
@@ -10011,10 +9550,9 @@
           <a:lstStyle/>
           <a:p>
             <a:r>
-              <a:rPr lang="en-US" dirty="0" smtClean="0"/>
+              <a:rPr lang="en-US" dirty="0"/>
               <a:t>#6</a:t>
             </a:r>
-            <a:endParaRPr lang="en-US" dirty="0"/>
           </a:p>
         </p:txBody>
       </p:sp>
@@ -10099,15 +9637,7 @@
           <a:p>
             <a:r>
               <a:rPr lang="en-US" dirty="0"/>
-              <a:t>A </a:t>
-            </a:r>
-            <a:r>
-              <a:rPr lang="en-US" dirty="0" smtClean="0"/>
-              <a:t>claimant </a:t>
-            </a:r>
-            <a:r>
-              <a:rPr lang="en-US" dirty="0"/>
-              <a:t>claiming for vastly different values. For example an individual claiming for a very luxury car who usually claims for budget cars.</a:t>
+              <a:t>A claimant claiming for vastly different values. For example an individual claiming for a very luxury car who usually claims for budget cars.</a:t>
             </a:r>
           </a:p>
         </p:txBody>
@@ -10141,10 +9671,9 @@
           <a:lstStyle/>
           <a:p>
             <a:r>
-              <a:rPr lang="en-US" dirty="0" smtClean="0"/>
+              <a:rPr lang="en-US" dirty="0"/>
               <a:t>#7</a:t>
             </a:r>
-            <a:endParaRPr lang="en-US" dirty="0"/>
           </a:p>
         </p:txBody>
       </p:sp>
@@ -10201,15 +9730,7 @@
           <a:p>
             <a:r>
               <a:rPr lang="en-US" dirty="0"/>
-              <a:t>Adjuster overpaying the insured within </a:t>
-            </a:r>
-            <a:r>
-              <a:rPr lang="en-US" dirty="0" smtClean="0"/>
-              <a:t>their </a:t>
-            </a:r>
-            <a:r>
-              <a:rPr lang="en-US" dirty="0"/>
-              <a:t>authorization limit</a:t>
+              <a:t>Adjuster overpaying the insured within their authorization limit</a:t>
             </a:r>
           </a:p>
         </p:txBody>
@@ -10235,20 +9756,20 @@
           <a:bodyPr/>
           <a:lstStyle/>
           <a:p>
-            <a:endParaRPr lang="en-US" dirty="0" smtClean="0"/>
-          </a:p>
-          <a:p>
-            <a:endParaRPr lang="en-US" dirty="0"/>
-          </a:p>
-          <a:p>
-            <a:endParaRPr lang="en-US" dirty="0" smtClean="0"/>
-          </a:p>
-          <a:p>
-            <a:endParaRPr lang="en-US" dirty="0"/>
-          </a:p>
-          <a:p>
-            <a:r>
-              <a:rPr lang="en-US" dirty="0" smtClean="0"/>
+            <a:endParaRPr lang="en-US" dirty="0"/>
+          </a:p>
+          <a:p>
+            <a:endParaRPr lang="en-US" dirty="0"/>
+          </a:p>
+          <a:p>
+            <a:endParaRPr lang="en-US" dirty="0"/>
+          </a:p>
+          <a:p>
+            <a:endParaRPr lang="en-US" dirty="0"/>
+          </a:p>
+          <a:p>
+            <a:r>
+              <a:rPr lang="en-US" dirty="0"/>
               <a:t>Method of analysis</a:t>
             </a:r>
           </a:p>
@@ -10257,10 +9778,9 @@
               <a:buNone/>
             </a:pPr>
             <a:r>
-              <a:rPr lang="en-US" dirty="0" smtClean="0"/>
+              <a:rPr lang="en-US" dirty="0"/>
               <a:t>Find the differences between the claim amount, paid amount and authorization limit for each claim and identify frequent differences.</a:t>
             </a:r>
-            <a:endParaRPr lang="en-US" dirty="0"/>
           </a:p>
         </p:txBody>
       </p:sp>
@@ -10293,10 +9813,9 @@
           <a:lstStyle/>
           <a:p>
             <a:r>
-              <a:rPr lang="en-US" dirty="0" smtClean="0"/>
+              <a:rPr lang="en-US" dirty="0"/>
               <a:t>#8</a:t>
             </a:r>
-            <a:endParaRPr lang="en-US" dirty="0"/>
           </a:p>
         </p:txBody>
       </p:sp>
